--- a/pres/02/02-08 Demo - Create and Run an F# app within VSCode.pptx
+++ b/pres/02/02-08 Demo - Create and Run an F# app within VSCode.pptx
@@ -199,7 +199,7 @@
           <a:p>
             <a:fld id="{04F4EE9C-1DC4-4EA1-A7D7-F154670950D7}" type="datetimeFigureOut">
               <a:rPr lang="en-US" smtClean="0"/>
-              <a:t>3/23/2022</a:t>
+              <a:t>3/27/2022</a:t>
             </a:fld>
             <a:endParaRPr lang="en-US"/>
           </a:p>
@@ -757,7 +757,7 @@
           <a:p>
             <a:fld id="{1EC55F50-4646-4E7F-90E3-54B39EDED94E}" type="datetimeFigureOut">
               <a:rPr lang="en-US" smtClean="0"/>
-              <a:t>3/23/2022</a:t>
+              <a:t>3/27/2022</a:t>
             </a:fld>
             <a:endParaRPr lang="en-US"/>
           </a:p>
@@ -955,7 +955,7 @@
           <a:p>
             <a:fld id="{1EC55F50-4646-4E7F-90E3-54B39EDED94E}" type="datetimeFigureOut">
               <a:rPr lang="en-US" smtClean="0"/>
-              <a:t>3/23/2022</a:t>
+              <a:t>3/27/2022</a:t>
             </a:fld>
             <a:endParaRPr lang="en-US"/>
           </a:p>
@@ -1163,7 +1163,7 @@
           <a:p>
             <a:fld id="{1EC55F50-4646-4E7F-90E3-54B39EDED94E}" type="datetimeFigureOut">
               <a:rPr lang="en-US" smtClean="0"/>
-              <a:t>3/23/2022</a:t>
+              <a:t>3/27/2022</a:t>
             </a:fld>
             <a:endParaRPr lang="en-US"/>
           </a:p>
@@ -5918,7 +5918,7 @@
           <a:p>
             <a:fld id="{1EC55F50-4646-4E7F-90E3-54B39EDED94E}" type="datetimeFigureOut">
               <a:rPr lang="en-US" smtClean="0"/>
-              <a:t>3/23/2022</a:t>
+              <a:t>3/27/2022</a:t>
             </a:fld>
             <a:endParaRPr lang="en-US"/>
           </a:p>
@@ -10223,7 +10223,7 @@
           <a:p>
             <a:fld id="{1EC55F50-4646-4E7F-90E3-54B39EDED94E}" type="datetimeFigureOut">
               <a:rPr lang="en-US" smtClean="0"/>
-              <a:t>3/23/2022</a:t>
+              <a:t>3/27/2022</a:t>
             </a:fld>
             <a:endParaRPr lang="en-US"/>
           </a:p>
@@ -17458,7 +17458,7 @@
           <a:p>
             <a:fld id="{1EC55F50-4646-4E7F-90E3-54B39EDED94E}" type="datetimeFigureOut">
               <a:rPr lang="en-US" smtClean="0"/>
-              <a:t>3/23/2022</a:t>
+              <a:t>3/27/2022</a:t>
             </a:fld>
             <a:endParaRPr lang="en-US"/>
           </a:p>
@@ -21503,7 +21503,7 @@
           <a:p>
             <a:fld id="{1EC55F50-4646-4E7F-90E3-54B39EDED94E}" type="datetimeFigureOut">
               <a:rPr lang="en-US" smtClean="0"/>
-              <a:t>3/23/2022</a:t>
+              <a:t>3/27/2022</a:t>
             </a:fld>
             <a:endParaRPr lang="en-US"/>
           </a:p>
@@ -29744,7 +29744,7 @@
           <a:p>
             <a:fld id="{1EC55F50-4646-4E7F-90E3-54B39EDED94E}" type="datetimeFigureOut">
               <a:rPr lang="en-US" smtClean="0"/>
-              <a:t>3/23/2022</a:t>
+              <a:t>3/27/2022</a:t>
             </a:fld>
             <a:endParaRPr lang="en-US"/>
           </a:p>
@@ -34459,7 +34459,7 @@
           <a:p>
             <a:fld id="{1EC55F50-4646-4E7F-90E3-54B39EDED94E}" type="datetimeFigureOut">
               <a:rPr lang="en-US" smtClean="0"/>
-              <a:t>3/23/2022</a:t>
+              <a:t>3/27/2022</a:t>
             </a:fld>
             <a:endParaRPr lang="en-US"/>
           </a:p>
@@ -36266,7 +36266,7 @@
           <a:p>
             <a:fld id="{1EC55F50-4646-4E7F-90E3-54B39EDED94E}" type="datetimeFigureOut">
               <a:rPr lang="en-US" smtClean="0"/>
-              <a:t>3/23/2022</a:t>
+              <a:t>3/27/2022</a:t>
             </a:fld>
             <a:endParaRPr lang="en-US"/>
           </a:p>
@@ -36554,7 +36554,7 @@
           <a:p>
             <a:fld id="{1EC55F50-4646-4E7F-90E3-54B39EDED94E}" type="datetimeFigureOut">
               <a:rPr lang="en-US" smtClean="0"/>
-              <a:t>3/23/2022</a:t>
+              <a:t>3/27/2022</a:t>
             </a:fld>
             <a:endParaRPr lang="en-US"/>
           </a:p>
@@ -36795,7 +36795,7 @@
           <a:p>
             <a:fld id="{1EC55F50-4646-4E7F-90E3-54B39EDED94E}" type="datetimeFigureOut">
               <a:rPr lang="en-US" smtClean="0"/>
-              <a:t>3/23/2022</a:t>
+              <a:t>3/27/2022</a:t>
             </a:fld>
             <a:endParaRPr lang="en-US"/>
           </a:p>
@@ -38323,8 +38323,13 @@
             <a:pPr lvl="1"/>
             <a:r>
               <a:rPr lang="en-US" dirty="0"/>
-              <a:t>Create project with “dotnet new”</a:t>
-            </a:r>
+              <a:t>Create project with </a:t>
+            </a:r>
+            <a:r>
+              <a:rPr lang="en-US" dirty="0" err="1"/>
+              <a:t>fsharp-ionide</a:t>
+            </a:r>
+            <a:endParaRPr lang="en-US" dirty="0"/>
           </a:p>
           <a:p>
             <a:pPr lvl="1"/>
